--- a/Week1/GCN.pptx
+++ b/Week1/GCN.pptx
@@ -2,7 +2,7 @@
 <file path=ppt/presentation.xml><?xml version="1.0" encoding="utf-8"?>
 <p:presentation xmlns:r="http://schemas.openxmlformats.org/officeDocument/2006/relationships" xmlns:c="http://schemas.openxmlformats.org/drawingml/2006/chart" xmlns:a="http://schemas.openxmlformats.org/drawingml/2006/main" xmlns:dgm="http://schemas.openxmlformats.org/drawingml/2006/diagram" xmlns:dsp="http://schemas.microsoft.com/office/drawing/2008/diagram" xmlns:p="http://schemas.openxmlformats.org/presentationml/2006/main">
   <p:sldMasterIdLst>
-    <p:sldMasterId id="2147484040" r:id="rId1"/>
+    <p:sldMasterId id="2147484032" r:id="rId1"/>
   </p:sldMasterIdLst>
   <p:notesMasterIdLst>
     <p:notesMasterId r:id="rId2"/>
@@ -229,7 +229,7 @@
               <a:pPr lvl="0">
                 <a:defRPr/>
               </a:pPr>
-              <a:t>2023-07-03</a:t>
+              <a:t>2023-07-04</a:t>
             </a:fld>
             <a:endParaRPr lang="ko-KR" altLang="en-US"/>
           </a:p>
@@ -583,10 +583,10 @@
               <a:defRPr/>
             </a:pPr>
             <a:r>
-              <a:rPr lang="en-US" altLang="ko-KR"/>
+              <a:rPr lang="ko-KR" altLang="en-US"/>
               <a:t/>
             </a:r>
-            <a:endParaRPr lang="en-US" altLang="ko-KR"/>
+            <a:endParaRPr lang="ko-KR" altLang="en-US"/>
           </a:p>
         </p:txBody>
       </p:sp>
@@ -4377,7 +4377,7 @@
             <p:spPr>
               <a:xfrm>
                 <a:off x="5687493" y="1664970"/>
-                <a:ext cx="4476750" cy="1885950"/>
+                <a:ext cx="4448175" cy="2438400"/>
               </a:xfrm>
               <a:custGeom>
                 <a:avLst/>
@@ -4512,6 +4512,13 @@
                               <a:latin typeface="Cambria Math"/>
                               <a:sym typeface="Cambria Math"/>
                             </a:rPr>
+                            <m:t>𝜋</m:t>
+                          </m:r>
+                          <m:r>
+                            <a:rPr sz="1800" i="1">
+                              <a:latin typeface="Cambria Math"/>
+                              <a:sym typeface="Cambria Math"/>
+                            </a:rPr>
                             <m:t>𝑗</m:t>
                           </m:r>
                           <m:r>
@@ -4519,21 +4526,14 @@
                               <a:latin typeface="Cambria Math"/>
                               <a:sym typeface="Cambria Math"/>
                             </a:rPr>
-                            <m:t>𝜋</m:t>
+                            <m:t>𝑢</m:t>
                           </m:r>
                           <m:r>
                             <a:rPr sz="1800" i="1">
                               <a:latin typeface="Cambria Math"/>
                               <a:sym typeface="Cambria Math"/>
                             </a:rPr>
-                            <m:t>𝑢</m:t>
-                          </m:r>
-                          <m:r>
-                            <a:rPr sz="1800" i="1">
-                              <a:latin typeface="Cambria Math"/>
-                              <a:sym typeface="Cambria Math"/>
-                            </a:rPr>
-                            <m:t>𝑥</m:t>
+                            <m:t>𝑡</m:t>
                           </m:r>
                         </m:sup>
                       </m:sSup>
@@ -4665,6 +4665,166 @@
                           <a:sym typeface="Cambria Math"/>
                         </a:rPr>
                         <m:t>𝑡</m:t>
+                      </m:r>
+                    </m:oMath>
+                  </m:oMathPara>
+                </a14:m>
+              </a:p>
+              <a:p>
+                <a:pPr algn="l"/>
+                <a14:m xmlns:m="http://schemas.openxmlformats.org/officeDocument/2006/math" xmlns:mc="http://schemas.openxmlformats.org/markup-compatibility/2006" xmlns:ho="http://schemas.haansoft.com/office/8.0" mc:Ignorable="ho" ho:hncCreate="1">
+                  <m:oMathPara>
+                    <m:oMathParaPr>
+                      <m:jc m:val="left"/>
+                    </m:oMathParaPr>
+                    <m:oMath xmlns:m="http://schemas.openxmlformats.org/officeDocument/2006/math">
+                      <m:r>
+                        <a:rPr sz="1800" i="1">
+                          <a:latin typeface="Cambria Math"/>
+                          <a:sym typeface="Cambria Math"/>
+                        </a:rPr>
+                        <m:t>𝑓</m:t>
+                      </m:r>
+                      <m:d>
+                        <m:dPr>
+                          <m:ctrlPr>
+                            <a:rPr sz="1800" i="1">
+                              <a:latin typeface="Cambria Math"/>
+                              <a:sym typeface="Cambria Math"/>
+                            </a:rPr>
+                          </m:ctrlPr>
+                        </m:dPr>
+                        <m:e>
+                          <m:r>
+                            <a:rPr sz="1800" i="1">
+                              <a:latin typeface="Cambria Math"/>
+                              <a:sym typeface="Cambria Math"/>
+                            </a:rPr>
+                            <m:t>𝑡</m:t>
+                          </m:r>
+                        </m:e>
+                      </m:d>
+                      <m:r>
+                        <a:rPr sz="1800" i="1">
+                          <a:latin typeface="Cambria Math"/>
+                          <a:sym typeface="Cambria Math"/>
+                        </a:rPr>
+                        <m:t xml:space="preserve"> = </m:t>
+                      </m:r>
+                      <m:nary>
+                        <m:naryPr>
+                          <m:limLoc m:val="undOvr"/>
+                          <m:subHide m:val="on"/>
+                          <m:supHide m:val="on"/>
+                          <m:ctrlPr>
+                            <a:rPr sz="1800" i="1">
+                              <a:latin typeface="Cambria Math"/>
+                              <a:sym typeface="Cambria Math"/>
+                            </a:rPr>
+                          </m:ctrlPr>
+                        </m:naryPr>
+                        <m:sub/>
+                        <m:sup/>
+                        <m:e>
+                          <m:r>
+                            <a:rPr sz="1800" i="1">
+                              <a:latin typeface="Cambria Math"/>
+                              <a:sym typeface="Cambria Math"/>
+                            </a:rPr>
+                            <m:t>𝐹</m:t>
+                          </m:r>
+                          <m:r>
+                            <a:rPr sz="1800" i="1">
+                              <a:latin typeface="Cambria Math"/>
+                              <a:sym typeface="Cambria Math"/>
+                            </a:rPr>
+                            <m:t>(</m:t>
+                          </m:r>
+                          <m:r>
+                            <a:rPr sz="1800" i="1">
+                              <a:latin typeface="Cambria Math"/>
+                              <a:sym typeface="Cambria Math"/>
+                            </a:rPr>
+                            <m:t>𝑢</m:t>
+                          </m:r>
+                          <m:r>
+                            <a:rPr sz="1800" i="1">
+                              <a:latin typeface="Cambria Math"/>
+                              <a:sym typeface="Cambria Math"/>
+                            </a:rPr>
+                            <m:t>)</m:t>
+                          </m:r>
+                        </m:e>
+                      </m:nary>
+                      <m:sSup>
+                        <m:sSupPr>
+                          <m:ctrlPr>
+                            <a:rPr sz="1800" i="1">
+                              <a:latin typeface="Cambria Math"/>
+                              <a:sym typeface="Cambria Math"/>
+                            </a:rPr>
+                          </m:ctrlPr>
+                        </m:sSupPr>
+                        <m:e>
+                          <m:r>
+                            <a:rPr sz="1800" i="1">
+                              <a:latin typeface="Cambria Math"/>
+                              <a:sym typeface="Cambria Math"/>
+                            </a:rPr>
+                            <m:t>𝑒</m:t>
+                          </m:r>
+                        </m:e>
+                        <m:sup>
+                          <m:r>
+                            <a:rPr sz="1800" i="1">
+                              <a:latin typeface="Cambria Math"/>
+                              <a:sym typeface="Cambria Math"/>
+                            </a:rPr>
+                            <m:t>2</m:t>
+                          </m:r>
+                          <m:r>
+                            <a:rPr sz="1800" i="1">
+                              <a:latin typeface="Cambria Math"/>
+                              <a:sym typeface="Cambria Math"/>
+                            </a:rPr>
+                            <m:t>𝜋</m:t>
+                          </m:r>
+                          <m:r>
+                            <a:rPr sz="1800" i="1">
+                              <a:latin typeface="Cambria Math"/>
+                              <a:sym typeface="Cambria Math"/>
+                            </a:rPr>
+                            <m:t>𝑗</m:t>
+                          </m:r>
+                          <m:r>
+                            <a:rPr sz="1800" i="1">
+                              <a:latin typeface="Cambria Math"/>
+                              <a:sym typeface="Cambria Math"/>
+                            </a:rPr>
+                            <m:t>𝑢</m:t>
+                          </m:r>
+                          <m:r>
+                            <a:rPr sz="1800" i="1">
+                              <a:latin typeface="Cambria Math"/>
+                              <a:sym typeface="Cambria Math"/>
+                            </a:rPr>
+                            <m:t>𝑡</m:t>
+                          </m:r>
+                        </m:sup>
+                      </m:sSup>
+                      <m:r>
+                        <a:rPr sz="1800" i="1">
+                          <a:latin typeface="Cambria Math"/>
+                          <a:sym typeface="Cambria Math"/>
+                        </a:rPr>
+                        <m:t>𝑑</m:t>
+                      </m:r>
+                      <m:r>
+                        <a:rPr sz="1800" i="1">
+                          <a:latin typeface="Cambria Math"/>
+                          <a:sym typeface="Cambria Math"/>
+                        </a:rPr>
+                        <m:t>𝑢</m:t>
                       </m:r>
                     </m:oMath>
                   </m:oMathPara>
@@ -5191,7 +5351,7 @@
             <p:spPr>
               <a:xfrm>
                 <a:off x="5687493" y="1664970"/>
-                <a:ext cx="4476750" cy="1885950"/>
+                <a:ext cx="4448175" cy="2438400"/>
               </a:xfrm>
               <a:prstGeom prst="rect">
                 <a:avLst/>
